--- a/neo4j_loader_and_queries/Summary.pptx
+++ b/neo4j_loader_and_queries/Summary.pptx
@@ -6109,7 +6109,7 @@
         </p:nvSpPr>
         <p:spPr>
           <a:xfrm>
-            <a:off x="7067959" y="6308209"/>
+            <a:off x="9668036" y="6308209"/>
             <a:ext cx="2743200" cy="369332"/>
           </a:xfrm>
           <a:prstGeom prst="rect">
